--- a/助教课课件（更正）.pptx
+++ b/助教课课件（更正）.pptx
@@ -17927,36 +17927,6 @@
           </a:p>
         </p:txBody>
       </p:sp>
-      <p:pic>
-        <p:nvPicPr>
-          <p:cNvPr id="5" name="图片 4">
-            <a:extLst>
-              <a:ext uri="{FF2B5EF4-FFF2-40B4-BE49-F238E27FC236}">
-                <a16:creationId xmlns:a16="http://schemas.microsoft.com/office/drawing/2014/main" id="{929E3992-8DED-4A70-9DC0-68BB45A7EEE5}"/>
-              </a:ext>
-            </a:extLst>
-          </p:cNvPr>
-          <p:cNvPicPr>
-            <a:picLocks noChangeAspect="1"/>
-          </p:cNvPicPr>
-          <p:nvPr/>
-        </p:nvPicPr>
-        <p:blipFill>
-          <a:blip r:embed="rId3"/>
-          <a:stretch>
-            <a:fillRect/>
-          </a:stretch>
-        </p:blipFill>
-        <p:spPr>
-          <a:xfrm>
-            <a:off x="528320" y="1844150"/>
-            <a:ext cx="11404600" cy="4414410"/>
-          </a:xfrm>
-          <a:prstGeom prst="rect">
-            <a:avLst/>
-          </a:prstGeom>
-        </p:spPr>
-      </p:pic>
       <p:sp>
         <p:nvSpPr>
           <p:cNvPr id="4" name="日期占位符 3">
@@ -18015,6 +17985,36 @@
           </a:p>
         </p:txBody>
       </p:sp>
+      <p:pic>
+        <p:nvPicPr>
+          <p:cNvPr id="7" name="图片 6">
+            <a:extLst>
+              <a:ext uri="{FF2B5EF4-FFF2-40B4-BE49-F238E27FC236}">
+                <a16:creationId xmlns:a16="http://schemas.microsoft.com/office/drawing/2014/main" id="{B95A59DD-8B24-47FD-9730-C3EE9C6BF395}"/>
+              </a:ext>
+            </a:extLst>
+          </p:cNvPr>
+          <p:cNvPicPr>
+            <a:picLocks noChangeAspect="1"/>
+          </p:cNvPicPr>
+          <p:nvPr/>
+        </p:nvPicPr>
+        <p:blipFill>
+          <a:blip r:embed="rId3"/>
+          <a:stretch>
+            <a:fillRect/>
+          </a:stretch>
+        </p:blipFill>
+        <p:spPr>
+          <a:xfrm>
+            <a:off x="0" y="1844150"/>
+            <a:ext cx="12192000" cy="4512200"/>
+          </a:xfrm>
+          <a:prstGeom prst="rect">
+            <a:avLst/>
+          </a:prstGeom>
+        </p:spPr>
+      </p:pic>
     </p:spTree>
     <p:extLst>
       <p:ext uri="{BB962C8B-B14F-4D97-AF65-F5344CB8AC3E}">

--- a/助教课课件（更正）.pptx
+++ b/助教课课件（更正）.pptx
@@ -13712,7 +13712,7 @@
         </p:blipFill>
         <p:spPr>
           <a:xfrm>
-            <a:off x="2209800" y="1603375"/>
+            <a:off x="248920" y="1317307"/>
             <a:ext cx="7667625" cy="4889500"/>
           </a:xfrm>
           <a:prstGeom prst="rect">
@@ -13720,6 +13720,90 @@
           </a:prstGeom>
         </p:spPr>
       </p:pic>
+      <p:sp>
+        <p:nvSpPr>
+          <p:cNvPr id="3" name="文本框 2">
+            <a:extLst>
+              <a:ext uri="{FF2B5EF4-FFF2-40B4-BE49-F238E27FC236}">
+                <a16:creationId xmlns:a16="http://schemas.microsoft.com/office/drawing/2014/main" id="{4719EB96-CD7A-49DD-83CD-89ADEF90B933}"/>
+              </a:ext>
+            </a:extLst>
+          </p:cNvPr>
+          <p:cNvSpPr txBox="1"/>
+          <p:nvPr/>
+        </p:nvSpPr>
+        <p:spPr>
+          <a:xfrm>
+            <a:off x="8382000" y="1391920"/>
+            <a:ext cx="3139440" cy="3170099"/>
+          </a:xfrm>
+          <a:prstGeom prst="rect">
+            <a:avLst/>
+          </a:prstGeom>
+          <a:noFill/>
+        </p:spPr>
+        <p:txBody>
+          <a:bodyPr wrap="square" rtlCol="0">
+            <a:spAutoFit/>
+          </a:bodyPr>
+          <a:lstStyle/>
+          <a:p>
+            <a:r>
+              <a:rPr lang="en-US" altLang="zh-CN" sz="2000" dirty="0"/>
+              <a:t>PS</a:t>
+            </a:r>
+            <a:r>
+              <a:rPr lang="zh-CN" altLang="en-US" sz="2000" dirty="0"/>
+              <a:t>：下载这一步也可以直接在客户端操作</a:t>
+            </a:r>
+            <a:endParaRPr lang="en-US" altLang="zh-CN" sz="2000" dirty="0"/>
+          </a:p>
+          <a:p>
+            <a:r>
+              <a:rPr lang="zh-CN" altLang="en-US" sz="2000" dirty="0"/>
+              <a:t>点击</a:t>
+            </a:r>
+            <a:r>
+              <a:rPr lang="en-US" altLang="zh-CN" sz="2000" dirty="0"/>
+              <a:t>File---Clone repository</a:t>
+            </a:r>
+            <a:r>
+              <a:rPr lang="zh-CN" altLang="en-US" sz="2000" dirty="0"/>
+              <a:t>，同样出现左图所示界面，选择</a:t>
+            </a:r>
+            <a:r>
+              <a:rPr lang="en-US" altLang="zh-CN" sz="2000" dirty="0"/>
+              <a:t>URL</a:t>
+            </a:r>
+            <a:r>
+              <a:rPr lang="zh-CN" altLang="en-US" sz="2000" dirty="0"/>
+              <a:t>，在第一个框中输入：</a:t>
+            </a:r>
+            <a:r>
+              <a:rPr lang="en-US" altLang="zh-CN" sz="2000" dirty="0">
+                <a:hlinkClick r:id="rId3"/>
+              </a:rPr>
+              <a:t>https://github.com/jiamingmao/principles-of-economics</a:t>
+            </a:r>
+            <a:r>
+              <a:rPr lang="en-US" altLang="zh-CN" sz="2000" dirty="0"/>
+              <a:t> </a:t>
+            </a:r>
+            <a:r>
+              <a:rPr lang="zh-CN" altLang="en-US" sz="2000" dirty="0"/>
+              <a:t>，确认保存路径，点击</a:t>
+            </a:r>
+            <a:r>
+              <a:rPr lang="en-US" altLang="zh-CN" sz="2000" dirty="0"/>
+              <a:t>Clone</a:t>
+            </a:r>
+            <a:r>
+              <a:rPr lang="zh-CN" altLang="en-US" sz="2000" dirty="0"/>
+              <a:t>即可。</a:t>
+            </a:r>
+          </a:p>
+        </p:txBody>
+      </p:sp>
     </p:spTree>
     <p:extLst>
       <p:ext uri="{BB962C8B-B14F-4D97-AF65-F5344CB8AC3E}">
@@ -16525,7 +16609,7 @@
           <a:p>
             <a:r>
               <a:rPr lang="en-US" altLang="zh-CN" dirty="0"/>
-              <a:t>3. fork &amp; sync </a:t>
+              <a:t>3. download &amp; sync </a:t>
             </a:r>
             <a:r>
               <a:rPr lang="zh-CN" altLang="en-US" dirty="0"/>
@@ -17990,7 +18074,7 @@
           <p:cNvPr id="7" name="图片 6">
             <a:extLst>
               <a:ext uri="{FF2B5EF4-FFF2-40B4-BE49-F238E27FC236}">
-                <a16:creationId xmlns:a16="http://schemas.microsoft.com/office/drawing/2014/main" id="{B95A59DD-8B24-47FD-9730-C3EE9C6BF395}"/>
+                <a16:creationId xmlns:a16="http://schemas.microsoft.com/office/drawing/2014/main" id="{60D88F5E-4EE2-4AE8-ABA2-BAA06BE444CA}"/>
               </a:ext>
             </a:extLst>
           </p:cNvPr>
